--- a/ner_presentation.pptx
+++ b/ner_presentation.pptx
@@ -9,18 +9,20 @@
     <p:sldId id="258" r:id="rId3"/>
     <p:sldId id="257" r:id="rId4"/>
     <p:sldId id="259" r:id="rId5"/>
-    <p:sldId id="260" r:id="rId6"/>
-    <p:sldId id="261" r:id="rId7"/>
-    <p:sldId id="262" r:id="rId8"/>
-    <p:sldId id="263" r:id="rId9"/>
-    <p:sldId id="264" r:id="rId10"/>
-    <p:sldId id="265" r:id="rId11"/>
-    <p:sldId id="266" r:id="rId12"/>
-    <p:sldId id="267" r:id="rId13"/>
-    <p:sldId id="270" r:id="rId14"/>
+    <p:sldId id="261" r:id="rId6"/>
+    <p:sldId id="274" r:id="rId7"/>
+    <p:sldId id="275" r:id="rId8"/>
+    <p:sldId id="276" r:id="rId9"/>
+    <p:sldId id="277" r:id="rId10"/>
+    <p:sldId id="278" r:id="rId11"/>
+    <p:sldId id="280" r:id="rId12"/>
+    <p:sldId id="279" r:id="rId13"/>
+    <p:sldId id="262" r:id="rId14"/>
     <p:sldId id="271" r:id="rId15"/>
     <p:sldId id="272" r:id="rId16"/>
     <p:sldId id="273" r:id="rId17"/>
+    <p:sldId id="281" r:id="rId18"/>
+    <p:sldId id="283" r:id="rId19"/>
   </p:sldIdLst>
   <p:sldSz cx="9144000" cy="6858000" type="screen4x3"/>
   <p:notesSz cx="6858000" cy="9144000"/>
@@ -317,7 +319,7 @@
           <a:p>
             <a:fld id="{5BCAD085-E8A6-8845-BD4E-CB4CCA059FC4}" type="datetimeFigureOut">
               <a:rPr lang="en-US" smtClean="0"/>
-              <a:t>6/16/24</a:t>
+              <a:t>6/20/24</a:t>
             </a:fld>
             <a:endParaRPr lang="en-US"/>
           </a:p>
@@ -485,7 +487,7 @@
           <a:p>
             <a:fld id="{5BCAD085-E8A6-8845-BD4E-CB4CCA059FC4}" type="datetimeFigureOut">
               <a:rPr lang="en-US" smtClean="0"/>
-              <a:t>6/16/24</a:t>
+              <a:t>6/20/24</a:t>
             </a:fld>
             <a:endParaRPr lang="en-US"/>
           </a:p>
@@ -663,7 +665,7 @@
           <a:p>
             <a:fld id="{5BCAD085-E8A6-8845-BD4E-CB4CCA059FC4}" type="datetimeFigureOut">
               <a:rPr lang="en-US" smtClean="0"/>
-              <a:t>6/16/24</a:t>
+              <a:t>6/20/24</a:t>
             </a:fld>
             <a:endParaRPr lang="en-US"/>
           </a:p>
@@ -831,7 +833,7 @@
           <a:p>
             <a:fld id="{5BCAD085-E8A6-8845-BD4E-CB4CCA059FC4}" type="datetimeFigureOut">
               <a:rPr lang="en-US" smtClean="0"/>
-              <a:t>6/16/24</a:t>
+              <a:t>6/20/24</a:t>
             </a:fld>
             <a:endParaRPr lang="en-US"/>
           </a:p>
@@ -1076,7 +1078,7 @@
           <a:p>
             <a:fld id="{5BCAD085-E8A6-8845-BD4E-CB4CCA059FC4}" type="datetimeFigureOut">
               <a:rPr lang="en-US" smtClean="0"/>
-              <a:t>6/16/24</a:t>
+              <a:t>6/20/24</a:t>
             </a:fld>
             <a:endParaRPr lang="en-US"/>
           </a:p>
@@ -1361,7 +1363,7 @@
           <a:p>
             <a:fld id="{5BCAD085-E8A6-8845-BD4E-CB4CCA059FC4}" type="datetimeFigureOut">
               <a:rPr lang="en-US" smtClean="0"/>
-              <a:t>6/16/24</a:t>
+              <a:t>6/20/24</a:t>
             </a:fld>
             <a:endParaRPr lang="en-US"/>
           </a:p>
@@ -1780,7 +1782,7 @@
           <a:p>
             <a:fld id="{5BCAD085-E8A6-8845-BD4E-CB4CCA059FC4}" type="datetimeFigureOut">
               <a:rPr lang="en-US" smtClean="0"/>
-              <a:t>6/16/24</a:t>
+              <a:t>6/20/24</a:t>
             </a:fld>
             <a:endParaRPr lang="en-US"/>
           </a:p>
@@ -1897,7 +1899,7 @@
           <a:p>
             <a:fld id="{5BCAD085-E8A6-8845-BD4E-CB4CCA059FC4}" type="datetimeFigureOut">
               <a:rPr lang="en-US" smtClean="0"/>
-              <a:t>6/16/24</a:t>
+              <a:t>6/20/24</a:t>
             </a:fld>
             <a:endParaRPr lang="en-US"/>
           </a:p>
@@ -1992,7 +1994,7 @@
           <a:p>
             <a:fld id="{5BCAD085-E8A6-8845-BD4E-CB4CCA059FC4}" type="datetimeFigureOut">
               <a:rPr lang="en-US" smtClean="0"/>
-              <a:t>6/16/24</a:t>
+              <a:t>6/20/24</a:t>
             </a:fld>
             <a:endParaRPr lang="en-US"/>
           </a:p>
@@ -2267,7 +2269,7 @@
           <a:p>
             <a:fld id="{5BCAD085-E8A6-8845-BD4E-CB4CCA059FC4}" type="datetimeFigureOut">
               <a:rPr lang="en-US" smtClean="0"/>
-              <a:t>6/16/24</a:t>
+              <a:t>6/20/24</a:t>
             </a:fld>
             <a:endParaRPr lang="en-US"/>
           </a:p>
@@ -2519,7 +2521,7 @@
           <a:p>
             <a:fld id="{5BCAD085-E8A6-8845-BD4E-CB4CCA059FC4}" type="datetimeFigureOut">
               <a:rPr lang="en-US" smtClean="0"/>
-              <a:t>6/16/24</a:t>
+              <a:t>6/20/24</a:t>
             </a:fld>
             <a:endParaRPr lang="en-US"/>
           </a:p>
@@ -2730,7 +2732,7 @@
           <a:p>
             <a:fld id="{5BCAD085-E8A6-8845-BD4E-CB4CCA059FC4}" type="datetimeFigureOut">
               <a:rPr lang="en-US" smtClean="0"/>
-              <a:t>6/16/24</a:t>
+              <a:t>6/20/24</a:t>
             </a:fld>
             <a:endParaRPr lang="en-US"/>
           </a:p>
@@ -3177,7 +3179,7 @@
             </a:pPr>
             <a:r>
               <a:rPr lang="en-US" dirty="0"/>
-              <a:t>Date : 17 June 2024</a:t>
+              <a:t>Date : 20 June 2024</a:t>
             </a:r>
             <a:endParaRPr dirty="0"/>
           </a:p>
@@ -3218,15 +3220,23 @@
             <p:ph type="title"/>
           </p:nvPr>
         </p:nvSpPr>
-        <p:spPr/>
-        <p:txBody>
-          <a:bodyPr/>
-          <a:lstStyle/>
-          <a:p>
-            <a:r>
-              <a:rPr lang="en-IN" b="1" dirty="0"/>
-              <a:t>Improved Model</a:t>
-            </a:r>
+        <p:spPr>
+          <a:xfrm>
+            <a:off x="457200" y="160337"/>
+            <a:ext cx="8229600" cy="1143000"/>
+          </a:xfrm>
+        </p:spPr>
+        <p:txBody>
+          <a:bodyPr>
+            <a:normAutofit fontScale="90000"/>
+          </a:bodyPr>
+          <a:lstStyle/>
+          <a:p>
+            <a:r>
+              <a:rPr lang="en-US" b="1" dirty="0"/>
+              <a:t>Approach 4 : Hyperparameter Tuning</a:t>
+            </a:r>
+            <a:endParaRPr b="1" dirty="0"/>
           </a:p>
         </p:txBody>
       </p:sp>
@@ -3240,66 +3250,206 @@
             <p:ph idx="1"/>
           </p:nvPr>
         </p:nvSpPr>
-        <p:spPr/>
-        <p:txBody>
-          <a:bodyPr/>
-          <a:lstStyle/>
+        <p:spPr>
+          <a:xfrm>
+            <a:off x="178130" y="1104405"/>
+            <a:ext cx="8508670" cy="5021759"/>
+          </a:xfrm>
+        </p:spPr>
+        <p:txBody>
+          <a:bodyPr>
+            <a:noAutofit/>
+          </a:bodyPr>
+          <a:lstStyle/>
+          <a:p>
+            <a:pPr lvl="1">
+              <a:buFont typeface="Arial" panose="020B0604020202020204" pitchFamily="34" charset="0"/>
+              <a:buChar char="•"/>
+            </a:pPr>
+            <a:r>
+              <a:rPr lang="en-IN" sz="1600" b="1" u="sng" dirty="0"/>
+              <a:t>Embedding Layer</a:t>
+            </a:r>
+          </a:p>
+          <a:p>
+            <a:pPr lvl="1">
+              <a:buFont typeface="Arial" panose="020B0604020202020204" pitchFamily="34" charset="0"/>
+              <a:buChar char="•"/>
+            </a:pPr>
+            <a:r>
+              <a:rPr lang="en-IN" sz="1600" dirty="0" err="1"/>
+              <a:t>input_dim</a:t>
+            </a:r>
+            <a:r>
+              <a:rPr lang="en-IN" sz="1600" dirty="0"/>
+              <a:t>: Size of vocabulary (depends on preprocessing choices like tokenization and trimming).</a:t>
+            </a:r>
+          </a:p>
+          <a:p>
+            <a:pPr lvl="1">
+              <a:buFont typeface="Arial" panose="020B0604020202020204" pitchFamily="34" charset="0"/>
+              <a:buChar char="•"/>
+            </a:pPr>
+            <a:r>
+              <a:rPr lang="en-IN" sz="1600" dirty="0" err="1"/>
+              <a:t>output_dim</a:t>
+            </a:r>
+            <a:r>
+              <a:rPr lang="en-IN" sz="1600" dirty="0"/>
+              <a:t>: Size of embedding vectors (e.g., 50, 100, 200, 300).</a:t>
+            </a:r>
+          </a:p>
+          <a:p>
+            <a:pPr lvl="1">
+              <a:buFont typeface="Arial" panose="020B0604020202020204" pitchFamily="34" charset="0"/>
+              <a:buChar char="•"/>
+            </a:pPr>
+            <a:r>
+              <a:rPr lang="en-IN" sz="1600" dirty="0" err="1"/>
+              <a:t>input_length</a:t>
+            </a:r>
+            <a:r>
+              <a:rPr lang="en-IN" sz="1600" dirty="0"/>
+              <a:t>: Fixed based on the maximum length of input sequences.</a:t>
+            </a:r>
+          </a:p>
+          <a:p>
+            <a:pPr lvl="1">
+              <a:buFont typeface="Arial" panose="020B0604020202020204" pitchFamily="34" charset="0"/>
+              <a:buChar char="•"/>
+            </a:pPr>
+            <a:endParaRPr lang="en-IN" sz="1600" dirty="0"/>
+          </a:p>
+          <a:p>
+            <a:pPr lvl="1">
+              <a:buFont typeface="Arial" panose="020B0604020202020204" pitchFamily="34" charset="0"/>
+              <a:buChar char="•"/>
+            </a:pPr>
+            <a:r>
+              <a:rPr lang="en-IN" sz="1600" b="1" u="sng" dirty="0"/>
+              <a:t>Dropout Layer</a:t>
+            </a:r>
+          </a:p>
+          <a:p>
+            <a:pPr lvl="1">
+              <a:buFont typeface="Arial" panose="020B0604020202020204" pitchFamily="34" charset="0"/>
+              <a:buChar char="•"/>
+            </a:pPr>
+            <a:r>
+              <a:rPr lang="en-IN" sz="1600" dirty="0"/>
+              <a:t>rate: Dropout rate (e.g., 0.1). Common choices: 0.1 to 0.5.</a:t>
+            </a:r>
+          </a:p>
+          <a:p>
+            <a:pPr lvl="1">
+              <a:buFont typeface="Arial" panose="020B0604020202020204" pitchFamily="34" charset="0"/>
+              <a:buChar char="•"/>
+            </a:pPr>
+            <a:r>
+              <a:rPr lang="en-IN" sz="1600" dirty="0"/>
+              <a:t>Bidirectional LSTM Layer</a:t>
+            </a:r>
+          </a:p>
+          <a:p>
+            <a:pPr lvl="1">
+              <a:buFont typeface="Arial" panose="020B0604020202020204" pitchFamily="34" charset="0"/>
+              <a:buChar char="•"/>
+            </a:pPr>
+            <a:r>
+              <a:rPr lang="en-IN" sz="1600" dirty="0"/>
+              <a:t>units: Number of LSTM units (e.g., 100). Range: 50 to 300+.</a:t>
+            </a:r>
+          </a:p>
+          <a:p>
+            <a:pPr lvl="1">
+              <a:buFont typeface="Arial" panose="020B0604020202020204" pitchFamily="34" charset="0"/>
+              <a:buChar char="•"/>
+            </a:pPr>
+            <a:r>
+              <a:rPr lang="en-IN" sz="1600" dirty="0" err="1"/>
+              <a:t>return_sequences</a:t>
+            </a:r>
+            <a:r>
+              <a:rPr lang="en-IN" sz="1600" dirty="0"/>
+              <a:t>: Typically set to True for sequence prediction tasks.</a:t>
+            </a:r>
+          </a:p>
+          <a:p>
+            <a:pPr lvl="1">
+              <a:buFont typeface="Arial" panose="020B0604020202020204" pitchFamily="34" charset="0"/>
+              <a:buChar char="•"/>
+            </a:pPr>
+            <a:r>
+              <a:rPr lang="en-IN" sz="1600" dirty="0" err="1"/>
+              <a:t>recurrent_dropout</a:t>
+            </a:r>
+            <a:r>
+              <a:rPr lang="en-IN" sz="1600" dirty="0"/>
+              <a:t>: Dropout rate for recurrent state (e.g., 0.1). Common choices: 0.1 to 0.5.</a:t>
+            </a:r>
+          </a:p>
+          <a:p>
+            <a:pPr lvl="1">
+              <a:buFont typeface="Arial" panose="020B0604020202020204" pitchFamily="34" charset="0"/>
+              <a:buChar char="•"/>
+            </a:pPr>
+            <a:endParaRPr lang="en-IN" sz="1600" dirty="0"/>
+          </a:p>
+          <a:p>
+            <a:pPr lvl="1">
+              <a:buFont typeface="Arial" panose="020B0604020202020204" pitchFamily="34" charset="0"/>
+              <a:buChar char="•"/>
+            </a:pPr>
+            <a:r>
+              <a:rPr lang="en-IN" sz="1600" b="1" u="sng" dirty="0" err="1"/>
+              <a:t>TimeDistributed</a:t>
+            </a:r>
+            <a:r>
+              <a:rPr lang="en-IN" sz="1600" b="1" u="sng" dirty="0"/>
+              <a:t> Dense Layer</a:t>
+            </a:r>
+          </a:p>
+          <a:p>
+            <a:pPr lvl="1">
+              <a:buFont typeface="Arial" panose="020B0604020202020204" pitchFamily="34" charset="0"/>
+              <a:buChar char="•"/>
+            </a:pPr>
+            <a:r>
+              <a:rPr lang="en-IN" sz="1600" dirty="0"/>
+              <a:t>units: Number of units in the Dense layer, determined by the number of output classes.</a:t>
+            </a:r>
+          </a:p>
+          <a:p>
+            <a:pPr lvl="1">
+              <a:buFont typeface="Arial" panose="020B0604020202020204" pitchFamily="34" charset="0"/>
+              <a:buChar char="•"/>
+            </a:pPr>
+            <a:r>
+              <a:rPr lang="en-IN" sz="1600" dirty="0"/>
+              <a:t>activation: Activation function, commonly </a:t>
+            </a:r>
+            <a:r>
+              <a:rPr lang="en-IN" sz="1600" dirty="0" err="1"/>
+              <a:t>softmax</a:t>
+            </a:r>
+            <a:r>
+              <a:rPr lang="en-IN" sz="1600" dirty="0"/>
+              <a:t> for classification.</a:t>
+            </a:r>
+          </a:p>
           <a:p>
             <a:pPr marL="742950" lvl="1" indent="-285750">
               <a:buFont typeface="Arial" panose="020B0604020202020204" pitchFamily="34" charset="0"/>
               <a:buChar char="•"/>
             </a:pPr>
-            <a:r>
-              <a:rPr lang="en-IN" dirty="0"/>
-              <a:t>Description of the new model architecture (e.g., Bi-LSTM with CRF, pre-trained embeddings)</a:t>
-            </a:r>
-          </a:p>
-          <a:p>
-            <a:pPr marL="742950" lvl="1" indent="-285750">
-              <a:buFont typeface="Arial" panose="020B0604020202020204" pitchFamily="34" charset="0"/>
-              <a:buChar char="•"/>
-            </a:pPr>
-            <a:r>
-              <a:rPr lang="en-IN" dirty="0"/>
-              <a:t>Changes made to address baseline shortcomings</a:t>
-            </a:r>
-          </a:p>
-          <a:p>
-            <a:pPr marL="742950" lvl="1" indent="-285750">
-              <a:buFont typeface="Arial" panose="020B0604020202020204" pitchFamily="34" charset="0"/>
-              <a:buChar char="•"/>
-            </a:pPr>
-            <a:r>
-              <a:rPr lang="en-IN" dirty="0"/>
-              <a:t>Training process and parameters</a:t>
-            </a:r>
-          </a:p>
-          <a:p>
-            <a:pPr marL="742950" lvl="1" indent="-285750">
-              <a:buFont typeface="Arial" panose="020B0604020202020204" pitchFamily="34" charset="0"/>
-              <a:buChar char="•"/>
-            </a:pPr>
-            <a:r>
-              <a:rPr lang="en-IN" dirty="0"/>
-              <a:t>Evaluation metrics used (accuracy, loss)</a:t>
-            </a:r>
-          </a:p>
-          <a:p>
-            <a:pPr marL="742950" lvl="1" indent="-285750">
-              <a:buFont typeface="Arial" panose="020B0604020202020204" pitchFamily="34" charset="0"/>
-              <a:buChar char="•"/>
-            </a:pPr>
-            <a:r>
-              <a:rPr lang="en-IN" dirty="0"/>
-              <a:t>Results of improved model</a:t>
-            </a:r>
+            <a:endParaRPr lang="en-IN" sz="1600" dirty="0"/>
           </a:p>
         </p:txBody>
       </p:sp>
     </p:spTree>
     <p:extLst>
       <p:ext uri="{BB962C8B-B14F-4D97-AF65-F5344CB8AC3E}">
-        <p14:creationId xmlns:p14="http://schemas.microsoft.com/office/powerpoint/2010/main" val="3917436358"/>
+        <p14:creationId xmlns:p14="http://schemas.microsoft.com/office/powerpoint/2010/main" val="3376052244"/>
       </p:ext>
     </p:extLst>
   </p:cSld>
@@ -3336,14 +3486,21 @@
             <p:ph type="title"/>
           </p:nvPr>
         </p:nvSpPr>
-        <p:spPr/>
-        <p:txBody>
-          <a:bodyPr/>
+        <p:spPr>
+          <a:xfrm>
+            <a:off x="457200" y="160337"/>
+            <a:ext cx="8229600" cy="1143000"/>
+          </a:xfrm>
+        </p:spPr>
+        <p:txBody>
+          <a:bodyPr>
+            <a:normAutofit fontScale="90000"/>
+          </a:bodyPr>
           <a:lstStyle/>
           <a:p>
             <a:r>
               <a:rPr lang="en-US" b="1" dirty="0"/>
-              <a:t>Future Optimization Scope</a:t>
+              <a:t>Approach 4 : Hyperparameter Tuning</a:t>
             </a:r>
             <a:endParaRPr b="1" dirty="0"/>
           </a:p>
@@ -3359,64 +3516,238 @@
             <p:ph idx="1"/>
           </p:nvPr>
         </p:nvSpPr>
-        <p:spPr/>
-        <p:txBody>
-          <a:bodyPr/>
-          <a:lstStyle/>
+        <p:spPr>
+          <a:xfrm>
+            <a:off x="457200" y="1199408"/>
+            <a:ext cx="8229600" cy="4926755"/>
+          </a:xfrm>
+        </p:spPr>
+        <p:txBody>
+          <a:bodyPr>
+            <a:noAutofit/>
+          </a:bodyPr>
+          <a:lstStyle/>
+          <a:p>
+            <a:pPr lvl="1">
+              <a:buFont typeface="Arial" panose="020B0604020202020204" pitchFamily="34" charset="0"/>
+              <a:buChar char="•"/>
+            </a:pPr>
+            <a:r>
+              <a:rPr lang="en-IN" sz="1600" b="1" u="sng" dirty="0"/>
+              <a:t>Model Compilation</a:t>
+            </a:r>
+          </a:p>
+          <a:p>
+            <a:pPr lvl="1">
+              <a:buFont typeface="Arial" panose="020B0604020202020204" pitchFamily="34" charset="0"/>
+              <a:buChar char="•"/>
+            </a:pPr>
+            <a:r>
+              <a:rPr lang="en-IN" sz="1600" dirty="0"/>
+              <a:t>optimizer: Different optimizers (</a:t>
+            </a:r>
+            <a:r>
+              <a:rPr lang="en-IN" sz="1600" dirty="0" err="1"/>
+              <a:t>adam</a:t>
+            </a:r>
+            <a:r>
+              <a:rPr lang="en-IN" sz="1600" dirty="0"/>
+              <a:t>, </a:t>
+            </a:r>
+            <a:r>
+              <a:rPr lang="en-IN" sz="1600" dirty="0" err="1"/>
+              <a:t>rmsprop</a:t>
+            </a:r>
+            <a:r>
+              <a:rPr lang="en-IN" sz="1600" dirty="0"/>
+              <a:t>, </a:t>
+            </a:r>
+            <a:r>
+              <a:rPr lang="en-IN" sz="1600" dirty="0" err="1"/>
+              <a:t>sgd</a:t>
+            </a:r>
+            <a:r>
+              <a:rPr lang="en-IN" sz="1600" dirty="0"/>
+              <a:t>, </a:t>
+            </a:r>
+            <a:r>
+              <a:rPr lang="en-IN" sz="1600" dirty="0" err="1"/>
+              <a:t>adamw</a:t>
+            </a:r>
+            <a:r>
+              <a:rPr lang="en-IN" sz="1600" dirty="0"/>
+              <a:t>).</a:t>
+            </a:r>
+          </a:p>
+          <a:p>
+            <a:pPr lvl="1">
+              <a:buFont typeface="Arial" panose="020B0604020202020204" pitchFamily="34" charset="0"/>
+              <a:buChar char="•"/>
+            </a:pPr>
+            <a:r>
+              <a:rPr lang="en-IN" sz="1600" dirty="0" err="1"/>
+              <a:t>learning_rate</a:t>
+            </a:r>
+            <a:r>
+              <a:rPr lang="en-IN" sz="1600" dirty="0"/>
+              <a:t>: Learning rate (e.g., 0.001, 0.0001).</a:t>
+            </a:r>
+          </a:p>
+          <a:p>
+            <a:pPr lvl="1">
+              <a:buFont typeface="Arial" panose="020B0604020202020204" pitchFamily="34" charset="0"/>
+              <a:buChar char="•"/>
+            </a:pPr>
+            <a:r>
+              <a:rPr lang="en-IN" sz="1600" dirty="0"/>
+              <a:t>loss: For multi-class classification, </a:t>
+            </a:r>
+            <a:r>
+              <a:rPr lang="en-IN" sz="1600" dirty="0" err="1"/>
+              <a:t>categorical_crossentropy</a:t>
+            </a:r>
+            <a:r>
+              <a:rPr lang="en-IN" sz="1600" dirty="0"/>
+              <a:t>.</a:t>
+            </a:r>
+          </a:p>
+          <a:p>
+            <a:pPr lvl="1">
+              <a:buFont typeface="Arial" panose="020B0604020202020204" pitchFamily="34" charset="0"/>
+              <a:buChar char="•"/>
+            </a:pPr>
+            <a:r>
+              <a:rPr lang="en-IN" sz="1600" dirty="0"/>
+              <a:t>metrics: Commonly accuracy, but can include precision, recall, F1-score.</a:t>
+            </a:r>
+          </a:p>
+          <a:p>
+            <a:pPr lvl="1">
+              <a:buFont typeface="Arial" panose="020B0604020202020204" pitchFamily="34" charset="0"/>
+              <a:buChar char="•"/>
+            </a:pPr>
+            <a:endParaRPr lang="en-IN" sz="1600" dirty="0"/>
+          </a:p>
+          <a:p>
+            <a:pPr lvl="1">
+              <a:buFont typeface="Arial" panose="020B0604020202020204" pitchFamily="34" charset="0"/>
+              <a:buChar char="•"/>
+            </a:pPr>
+            <a:r>
+              <a:rPr lang="en-IN" sz="1600" b="1" u="sng" dirty="0"/>
+              <a:t>Additional Hyperparameters</a:t>
+            </a:r>
+          </a:p>
+          <a:p>
+            <a:pPr lvl="1">
+              <a:buFont typeface="Arial" panose="020B0604020202020204" pitchFamily="34" charset="0"/>
+              <a:buChar char="•"/>
+            </a:pPr>
+            <a:r>
+              <a:rPr lang="en-IN" sz="1600" dirty="0"/>
+              <a:t>Batch Size: Samples per gradient update (e.g., 32, 64, 128).</a:t>
+            </a:r>
+          </a:p>
+          <a:p>
+            <a:pPr lvl="1">
+              <a:buFont typeface="Arial" panose="020B0604020202020204" pitchFamily="34" charset="0"/>
+              <a:buChar char="•"/>
+            </a:pPr>
+            <a:r>
+              <a:rPr lang="en-IN" sz="1600" dirty="0"/>
+              <a:t>Number of Epochs: Times the dataset passes through the network (e.g., 10, 20, 50).</a:t>
+            </a:r>
+          </a:p>
+          <a:p>
+            <a:pPr lvl="1">
+              <a:buFont typeface="Arial" panose="020B0604020202020204" pitchFamily="34" charset="0"/>
+              <a:buChar char="•"/>
+            </a:pPr>
+            <a:r>
+              <a:rPr lang="en-IN" sz="1600" dirty="0"/>
+              <a:t>Early Stopping Criteria: Parameters like patience and monitoring metric.</a:t>
+            </a:r>
+          </a:p>
+          <a:p>
+            <a:pPr lvl="1">
+              <a:buFont typeface="Arial" panose="020B0604020202020204" pitchFamily="34" charset="0"/>
+              <a:buChar char="•"/>
+            </a:pPr>
+            <a:r>
+              <a:rPr lang="en-IN" sz="1600" dirty="0"/>
+              <a:t>Sequence Padding: Type of padding (pre or post) and padding value.</a:t>
+            </a:r>
+          </a:p>
+          <a:p>
+            <a:pPr lvl="1">
+              <a:buFont typeface="Arial" panose="020B0604020202020204" pitchFamily="34" charset="0"/>
+              <a:buChar char="•"/>
+            </a:pPr>
+            <a:endParaRPr lang="en-IN" sz="1600" dirty="0"/>
+          </a:p>
+          <a:p>
+            <a:pPr lvl="1">
+              <a:buFont typeface="Arial" panose="020B0604020202020204" pitchFamily="34" charset="0"/>
+              <a:buChar char="•"/>
+            </a:pPr>
+            <a:r>
+              <a:rPr lang="en-IN" sz="1600" b="1" u="sng" dirty="0"/>
+              <a:t>Tuning Strategies</a:t>
+            </a:r>
+          </a:p>
+          <a:p>
+            <a:pPr lvl="1">
+              <a:buFont typeface="Arial" panose="020B0604020202020204" pitchFamily="34" charset="0"/>
+              <a:buChar char="•"/>
+            </a:pPr>
+            <a:r>
+              <a:rPr lang="en-IN" sz="1600" dirty="0"/>
+              <a:t>Grid Search: Try every combination of hyperparameters from a predefined set.</a:t>
+            </a:r>
+          </a:p>
+          <a:p>
+            <a:pPr lvl="1">
+              <a:buFont typeface="Arial" panose="020B0604020202020204" pitchFamily="34" charset="0"/>
+              <a:buChar char="•"/>
+            </a:pPr>
+            <a:r>
+              <a:rPr lang="en-IN" sz="1600" dirty="0"/>
+              <a:t>Random Search: Randomly sample hyperparameters from a predefined set.</a:t>
+            </a:r>
+          </a:p>
+          <a:p>
+            <a:pPr lvl="1">
+              <a:buFont typeface="Arial" panose="020B0604020202020204" pitchFamily="34" charset="0"/>
+              <a:buChar char="•"/>
+            </a:pPr>
+            <a:r>
+              <a:rPr lang="en-IN" sz="1600" dirty="0"/>
+              <a:t>Bayesian Optimization: Use probabilistic models to choose hyperparameters.</a:t>
+            </a:r>
+          </a:p>
+          <a:p>
+            <a:pPr lvl="1">
+              <a:buFont typeface="Arial" panose="020B0604020202020204" pitchFamily="34" charset="0"/>
+              <a:buChar char="•"/>
+            </a:pPr>
+            <a:r>
+              <a:rPr lang="en-IN" sz="1600" dirty="0"/>
+              <a:t>Hyperband: Combination of random search and early stopping.</a:t>
+            </a:r>
+          </a:p>
           <a:p>
             <a:pPr marL="742950" lvl="1" indent="-285750">
               <a:buFont typeface="Arial" panose="020B0604020202020204" pitchFamily="34" charset="0"/>
               <a:buChar char="•"/>
             </a:pPr>
-            <a:r>
-              <a:rPr lang="en-IN" dirty="0"/>
-              <a:t>Use pre-trained embeddings (</a:t>
-            </a:r>
-            <a:r>
-              <a:rPr lang="en-IN" dirty="0" err="1"/>
-              <a:t>GloVe</a:t>
-            </a:r>
-            <a:r>
-              <a:rPr lang="en-IN" dirty="0"/>
-              <a:t>, BERT)</a:t>
-            </a:r>
-          </a:p>
-          <a:p>
-            <a:pPr marL="742950" lvl="1" indent="-285750">
-              <a:buFont typeface="Arial" panose="020B0604020202020204" pitchFamily="34" charset="0"/>
-              <a:buChar char="•"/>
-            </a:pPr>
-            <a:r>
-              <a:rPr lang="en-IN" dirty="0"/>
-              <a:t>Hyperparameter tuning</a:t>
-            </a:r>
-          </a:p>
-          <a:p>
-            <a:pPr marL="742950" lvl="1" indent="-285750">
-              <a:buFont typeface="Arial" panose="020B0604020202020204" pitchFamily="34" charset="0"/>
-              <a:buChar char="•"/>
-            </a:pPr>
-            <a:r>
-              <a:rPr lang="en-IN" dirty="0"/>
-              <a:t>Ensemble methods</a:t>
-            </a:r>
-          </a:p>
-          <a:p>
-            <a:pPr marL="742950" lvl="1" indent="-285750">
-              <a:buFont typeface="Arial" panose="020B0604020202020204" pitchFamily="34" charset="0"/>
-              <a:buChar char="•"/>
-            </a:pPr>
-            <a:r>
-              <a:rPr lang="en-IN" dirty="0"/>
-              <a:t>Error analysis and iterative improvements</a:t>
-            </a:r>
+            <a:endParaRPr lang="en-IN" sz="1600" dirty="0"/>
           </a:p>
         </p:txBody>
       </p:sp>
     </p:spTree>
     <p:extLst>
       <p:ext uri="{BB962C8B-B14F-4D97-AF65-F5344CB8AC3E}">
-        <p14:creationId xmlns:p14="http://schemas.microsoft.com/office/powerpoint/2010/main" val="1128001555"/>
+        <p14:creationId xmlns:p14="http://schemas.microsoft.com/office/powerpoint/2010/main" val="4290977755"/>
       </p:ext>
     </p:extLst>
   </p:cSld>
@@ -3459,10 +3790,10 @@
           <a:lstStyle/>
           <a:p>
             <a:r>
-              <a:rPr lang="en-US" dirty="0"/>
-              <a:t>System Design Tasks</a:t>
-            </a:r>
-            <a:endParaRPr dirty="0"/>
+              <a:rPr lang="en-US" b="1" dirty="0"/>
+              <a:t>Approach 5 and 6</a:t>
+            </a:r>
+            <a:endParaRPr b="1" dirty="0"/>
           </a:p>
         </p:txBody>
       </p:sp>
@@ -3489,7 +3820,7 @@
             </a:pPr>
             <a:r>
               <a:rPr lang="en-IN" dirty="0"/>
-              <a:t>Design system architecture for production deployment</a:t>
+              <a:t>Approach 5 – Ensemble Techniques</a:t>
             </a:r>
           </a:p>
           <a:p>
@@ -3499,7 +3830,7 @@
             </a:pPr>
             <a:r>
               <a:rPr lang="en-IN" dirty="0"/>
-              <a:t>Perform canary build</a:t>
+              <a:t>Combination of all different hyper-tuned models and making comparisons and reasoning on them to understand which one suits for our case.</a:t>
             </a:r>
           </a:p>
           <a:p>
@@ -3509,7 +3840,7 @@
             </a:pPr>
             <a:r>
               <a:rPr lang="en-IN" dirty="0"/>
-              <a:t>Strategy for model monitoring</a:t>
+              <a:t>Approach 6 – Error Analysis</a:t>
             </a:r>
           </a:p>
           <a:p>
@@ -3519,7 +3850,7 @@
             </a:pPr>
             <a:r>
               <a:rPr lang="en-IN" dirty="0"/>
-              <a:t>Load and stress testing</a:t>
+              <a:t>Understanding the errors ; what are possible solutions.</a:t>
             </a:r>
           </a:p>
           <a:p>
@@ -3529,17 +3860,7 @@
             </a:pPr>
             <a:r>
               <a:rPr lang="en-IN" dirty="0"/>
-              <a:t>Tracking, monitoring, and auditing training</a:t>
-            </a:r>
-          </a:p>
-          <a:p>
-            <a:pPr marL="742950" lvl="1" indent="-285750">
-              <a:buFont typeface="Arial" panose="020B0604020202020204" pitchFamily="34" charset="0"/>
-              <a:buChar char="•"/>
-            </a:pPr>
-            <a:r>
-              <a:rPr lang="en-IN" dirty="0"/>
-              <a:t>Continuous delivery and automation framework</a:t>
+              <a:t>Working on them iteratively.</a:t>
             </a:r>
           </a:p>
         </p:txBody>
@@ -3547,7 +3868,7 @@
     </p:spTree>
     <p:extLst>
       <p:ext uri="{BB962C8B-B14F-4D97-AF65-F5344CB8AC3E}">
-        <p14:creationId xmlns:p14="http://schemas.microsoft.com/office/powerpoint/2010/main" val="3255961755"/>
+        <p14:creationId xmlns:p14="http://schemas.microsoft.com/office/powerpoint/2010/main" val="2255414640"/>
       </p:ext>
     </p:extLst>
   </p:cSld>
@@ -3586,14 +3907,12 @@
         </p:nvSpPr>
         <p:spPr/>
         <p:txBody>
-          <a:bodyPr>
-            <a:normAutofit fontScale="90000"/>
-          </a:bodyPr>
+          <a:bodyPr/>
           <a:lstStyle/>
           <a:p>
             <a:r>
               <a:rPr lang="en-IN" b="1" dirty="0"/>
-              <a:t>System Architecture for Production Deployment</a:t>
+              <a:t>Approach 7 – Using LLM models</a:t>
             </a:r>
           </a:p>
         </p:txBody>
@@ -3608,12 +3927,7 @@
             <p:ph idx="1"/>
           </p:nvPr>
         </p:nvSpPr>
-        <p:spPr>
-          <a:xfrm>
-            <a:off x="457200" y="2182091"/>
-            <a:ext cx="8229600" cy="4525963"/>
-          </a:xfrm>
-        </p:spPr>
+        <p:spPr/>
         <p:txBody>
           <a:bodyPr>
             <a:normAutofit/>
@@ -3626,7 +3940,16 @@
             </a:pPr>
             <a:r>
               <a:rPr lang="en-IN" dirty="0"/>
-              <a:t>Components: Data ingestion, Feature store, Model serving, Monitoring</a:t>
+              <a:t>Open-source LLM models : </a:t>
+            </a:r>
+          </a:p>
+          <a:p>
+            <a:pPr marL="457200" lvl="1" indent="0">
+              <a:buNone/>
+            </a:pPr>
+            <a:r>
+              <a:rPr lang="en-IN" dirty="0"/>
+              <a:t>LLAMA3 , GPT-2 . Google Gemini , Mistral , T5, FLAN</a:t>
             </a:r>
           </a:p>
           <a:p>
@@ -3636,7 +3959,7 @@
             </a:pPr>
             <a:r>
               <a:rPr lang="en-IN" dirty="0"/>
-              <a:t>Infrastructure: Docker, Kubernetes, CI/CD pipelines</a:t>
+              <a:t>Creation of curated datasets : prompt-answers pairs</a:t>
             </a:r>
           </a:p>
           <a:p>
@@ -3646,7 +3969,17 @@
             </a:pPr>
             <a:r>
               <a:rPr lang="en-IN" dirty="0"/>
-              <a:t>Diagram of system architecture</a:t>
+              <a:t>Fine-tuning these models based on requirements.</a:t>
+            </a:r>
+          </a:p>
+          <a:p>
+            <a:pPr marL="742950" lvl="1" indent="-285750">
+              <a:buFont typeface="Arial" panose="020B0604020202020204" pitchFamily="34" charset="0"/>
+              <a:buChar char="•"/>
+            </a:pPr>
+            <a:r>
+              <a:rPr lang="en-IN" dirty="0"/>
+              <a:t>Evaluating these models.</a:t>
             </a:r>
           </a:p>
         </p:txBody>
@@ -3654,7 +3987,7 @@
     </p:spTree>
     <p:extLst>
       <p:ext uri="{BB962C8B-B14F-4D97-AF65-F5344CB8AC3E}">
-        <p14:creationId xmlns:p14="http://schemas.microsoft.com/office/powerpoint/2010/main" val="2349873434"/>
+        <p14:creationId xmlns:p14="http://schemas.microsoft.com/office/powerpoint/2010/main" val="3406953252"/>
       </p:ext>
     </p:extLst>
   </p:cSld>
@@ -3948,7 +4281,7 @@
           <a:p>
             <a:r>
               <a:rPr lang="en-US" b="1" dirty="0"/>
-              <a:t>Conclusion</a:t>
+              <a:t>Final Note</a:t>
             </a:r>
             <a:endParaRPr b="1" dirty="0"/>
           </a:p>
@@ -3977,7 +4310,7 @@
             </a:pPr>
             <a:r>
               <a:rPr lang="en-IN" dirty="0"/>
-              <a:t>Summary of the approach and findings</a:t>
+              <a:t>Machine Learning and Deep Learning do not have any objective solution. For one use case, we can solve it in multiple ways.</a:t>
             </a:r>
           </a:p>
           <a:p>
@@ -3987,7 +4320,7 @@
             </a:pPr>
             <a:r>
               <a:rPr lang="en-IN" dirty="0"/>
-              <a:t>Key takeaways</a:t>
+              <a:t>Thinking like a Chemist rather than Programmer.</a:t>
             </a:r>
           </a:p>
           <a:p>
@@ -3997,7 +4330,7 @@
             </a:pPr>
             <a:r>
               <a:rPr lang="en-IN" dirty="0"/>
-              <a:t>Future work and potential improvements</a:t>
+              <a:t>CECICD : Continuous Experiment ; Continuous Integration ; Continuous Development</a:t>
             </a:r>
           </a:p>
           <a:p>
@@ -4007,7 +4340,7 @@
             </a:pPr>
             <a:r>
               <a:rPr lang="en-IN" dirty="0"/>
-              <a:t>Questions and discussion</a:t>
+              <a:t>Sharing the findings and keep on optimising the results. </a:t>
             </a:r>
           </a:p>
         </p:txBody>
@@ -4016,6 +4349,197 @@
     <p:extLst>
       <p:ext uri="{BB962C8B-B14F-4D97-AF65-F5344CB8AC3E}">
         <p14:creationId xmlns:p14="http://schemas.microsoft.com/office/powerpoint/2010/main" val="4171415266"/>
+      </p:ext>
+    </p:extLst>
+  </p:cSld>
+  <p:clrMapOvr>
+    <a:masterClrMapping/>
+  </p:clrMapOvr>
+</p:sld>
+</file>
+
+<file path=ppt/slides/slide17.xml><?xml version="1.0" encoding="utf-8"?>
+<p:sld xmlns:a="http://schemas.openxmlformats.org/drawingml/2006/main" xmlns:r="http://schemas.openxmlformats.org/officeDocument/2006/relationships" xmlns:p="http://schemas.openxmlformats.org/presentationml/2006/main">
+  <p:cSld>
+    <p:spTree>
+      <p:nvGrpSpPr>
+        <p:cNvPr id="1" name=""/>
+        <p:cNvGrpSpPr/>
+        <p:nvPr/>
+      </p:nvGrpSpPr>
+      <p:grpSpPr>
+        <a:xfrm>
+          <a:off x="0" y="0"/>
+          <a:ext cx="0" cy="0"/>
+          <a:chOff x="0" y="0"/>
+          <a:chExt cx="0" cy="0"/>
+        </a:xfrm>
+      </p:grpSpPr>
+      <p:sp>
+        <p:nvSpPr>
+          <p:cNvPr id="2" name="Title 1">
+            <a:extLst>
+              <a:ext uri="{FF2B5EF4-FFF2-40B4-BE49-F238E27FC236}">
+                <a16:creationId xmlns:a16="http://schemas.microsoft.com/office/drawing/2014/main" id="{81349454-859F-C647-8A3F-A9E8E516D9D2}"/>
+              </a:ext>
+            </a:extLst>
+          </p:cNvPr>
+          <p:cNvSpPr>
+            <a:spLocks noGrp="1"/>
+          </p:cNvSpPr>
+          <p:nvPr>
+            <p:ph type="title"/>
+          </p:nvPr>
+        </p:nvSpPr>
+        <p:spPr/>
+        <p:txBody>
+          <a:bodyPr/>
+          <a:lstStyle/>
+          <a:p>
+            <a:endParaRPr lang="en-US" dirty="0"/>
+          </a:p>
+        </p:txBody>
+      </p:sp>
+      <p:sp>
+        <p:nvSpPr>
+          <p:cNvPr id="3" name="Content Placeholder 2">
+            <a:extLst>
+              <a:ext uri="{FF2B5EF4-FFF2-40B4-BE49-F238E27FC236}">
+                <a16:creationId xmlns:a16="http://schemas.microsoft.com/office/drawing/2014/main" id="{CF70996A-1738-DC5A-D73F-37A7F428C89D}"/>
+              </a:ext>
+            </a:extLst>
+          </p:cNvPr>
+          <p:cNvSpPr>
+            <a:spLocks noGrp="1"/>
+          </p:cNvSpPr>
+          <p:nvPr>
+            <p:ph idx="1"/>
+          </p:nvPr>
+        </p:nvSpPr>
+        <p:spPr>
+          <a:xfrm>
+            <a:off x="457200" y="2006930"/>
+            <a:ext cx="8229600" cy="4119233"/>
+          </a:xfrm>
+        </p:spPr>
+        <p:txBody>
+          <a:bodyPr>
+            <a:normAutofit/>
+          </a:bodyPr>
+          <a:lstStyle/>
+          <a:p>
+            <a:pPr marL="0" indent="0">
+              <a:buNone/>
+            </a:pPr>
+            <a:r>
+              <a:rPr lang="en-US" sz="7200" dirty="0"/>
+              <a:t> 		Any Questions ?</a:t>
+            </a:r>
+          </a:p>
+        </p:txBody>
+      </p:sp>
+    </p:spTree>
+    <p:extLst>
+      <p:ext uri="{BB962C8B-B14F-4D97-AF65-F5344CB8AC3E}">
+        <p14:creationId xmlns:p14="http://schemas.microsoft.com/office/powerpoint/2010/main" val="2990277675"/>
+      </p:ext>
+    </p:extLst>
+  </p:cSld>
+  <p:clrMapOvr>
+    <a:masterClrMapping/>
+  </p:clrMapOvr>
+</p:sld>
+</file>
+
+<file path=ppt/slides/slide18.xml><?xml version="1.0" encoding="utf-8"?>
+<p:sld xmlns:a="http://schemas.openxmlformats.org/drawingml/2006/main" xmlns:r="http://schemas.openxmlformats.org/officeDocument/2006/relationships" xmlns:p="http://schemas.openxmlformats.org/presentationml/2006/main">
+  <p:cSld>
+    <p:spTree>
+      <p:nvGrpSpPr>
+        <p:cNvPr id="1" name=""/>
+        <p:cNvGrpSpPr/>
+        <p:nvPr/>
+      </p:nvGrpSpPr>
+      <p:grpSpPr>
+        <a:xfrm>
+          <a:off x="0" y="0"/>
+          <a:ext cx="0" cy="0"/>
+          <a:chOff x="0" y="0"/>
+          <a:chExt cx="0" cy="0"/>
+        </a:xfrm>
+      </p:grpSpPr>
+      <p:sp>
+        <p:nvSpPr>
+          <p:cNvPr id="2" name="Title 1">
+            <a:extLst>
+              <a:ext uri="{FF2B5EF4-FFF2-40B4-BE49-F238E27FC236}">
+                <a16:creationId xmlns:a16="http://schemas.microsoft.com/office/drawing/2014/main" id="{81349454-859F-C647-8A3F-A9E8E516D9D2}"/>
+              </a:ext>
+            </a:extLst>
+          </p:cNvPr>
+          <p:cNvSpPr>
+            <a:spLocks noGrp="1"/>
+          </p:cNvSpPr>
+          <p:nvPr>
+            <p:ph type="title"/>
+          </p:nvPr>
+        </p:nvSpPr>
+        <p:spPr/>
+        <p:txBody>
+          <a:bodyPr/>
+          <a:lstStyle/>
+          <a:p>
+            <a:endParaRPr lang="en-US" dirty="0"/>
+          </a:p>
+        </p:txBody>
+      </p:sp>
+      <p:sp>
+        <p:nvSpPr>
+          <p:cNvPr id="3" name="Content Placeholder 2">
+            <a:extLst>
+              <a:ext uri="{FF2B5EF4-FFF2-40B4-BE49-F238E27FC236}">
+                <a16:creationId xmlns:a16="http://schemas.microsoft.com/office/drawing/2014/main" id="{CF70996A-1738-DC5A-D73F-37A7F428C89D}"/>
+              </a:ext>
+            </a:extLst>
+          </p:cNvPr>
+          <p:cNvSpPr>
+            <a:spLocks noGrp="1"/>
+          </p:cNvSpPr>
+          <p:nvPr>
+            <p:ph idx="1"/>
+          </p:nvPr>
+        </p:nvSpPr>
+        <p:spPr>
+          <a:xfrm>
+            <a:off x="457200" y="2006930"/>
+            <a:ext cx="8229600" cy="4119233"/>
+          </a:xfrm>
+        </p:spPr>
+        <p:txBody>
+          <a:bodyPr>
+            <a:normAutofit/>
+          </a:bodyPr>
+          <a:lstStyle/>
+          <a:p>
+            <a:pPr marL="0" indent="0">
+              <a:buNone/>
+            </a:pPr>
+            <a:r>
+              <a:rPr lang="en-US" sz="7200" dirty="0"/>
+              <a:t>          </a:t>
+            </a:r>
+            <a:r>
+              <a:rPr lang="en-US" sz="7200"/>
+              <a:t>Thank You.</a:t>
+            </a:r>
+            <a:endParaRPr lang="en-US" sz="7200" dirty="0"/>
+          </a:p>
+        </p:txBody>
+      </p:sp>
+    </p:spTree>
+    <p:extLst>
+      <p:ext uri="{BB962C8B-B14F-4D97-AF65-F5344CB8AC3E}">
+        <p14:creationId xmlns:p14="http://schemas.microsoft.com/office/powerpoint/2010/main" val="2622362699"/>
       </p:ext>
     </p:extLst>
   </p:cSld>
@@ -4381,9 +4905,10 @@
           <a:lstStyle/>
           <a:p>
             <a:r>
-              <a:rPr lang="en-IN" b="1" dirty="0"/>
-              <a:t>Sequence Tagging Scheme</a:t>
-            </a:r>
+              <a:rPr lang="en-US" b="1" dirty="0"/>
+              <a:t>Tasks</a:t>
+            </a:r>
+            <a:endParaRPr b="1" dirty="0"/>
           </a:p>
         </p:txBody>
       </p:sp>
@@ -4399,7 +4924,9 @@
         </p:nvSpPr>
         <p:spPr/>
         <p:txBody>
-          <a:bodyPr/>
+          <a:bodyPr>
+            <a:normAutofit/>
+          </a:bodyPr>
           <a:lstStyle/>
           <a:p>
             <a:pPr marL="742950" lvl="1" indent="-285750">
@@ -4408,55 +4935,67 @@
             </a:pPr>
             <a:r>
               <a:rPr lang="en-IN" dirty="0"/>
-              <a:t>Explanation of IOB2 tagging scheme</a:t>
-            </a:r>
-          </a:p>
-          <a:p>
-            <a:pPr marL="457200" lvl="1" indent="0">
-              <a:buNone/>
-            </a:pPr>
-            <a:endParaRPr lang="en-IN" dirty="0"/>
-          </a:p>
-          <a:p>
-            <a:pPr marL="1143000" lvl="2" indent="-228600">
+              <a:t>Divide dataset into train, validation, and test sets</a:t>
+            </a:r>
+          </a:p>
+          <a:p>
+            <a:pPr marL="742950" lvl="1" indent="-285750">
               <a:buFont typeface="Arial" panose="020B0604020202020204" pitchFamily="34" charset="0"/>
               <a:buChar char="•"/>
             </a:pPr>
             <a:r>
               <a:rPr lang="en-IN" dirty="0"/>
-              <a:t>I: Inside a chunk</a:t>
-            </a:r>
-          </a:p>
-          <a:p>
-            <a:pPr marL="914400" lvl="2" indent="0">
-              <a:buNone/>
-            </a:pPr>
-            <a:endParaRPr lang="en-IN" dirty="0"/>
-          </a:p>
-          <a:p>
-            <a:pPr marL="1143000" lvl="2" indent="-228600">
+              <a:t>Identify matrices for model evaluation</a:t>
+            </a:r>
+          </a:p>
+          <a:p>
+            <a:pPr marL="742950" lvl="1" indent="-285750">
               <a:buFont typeface="Arial" panose="020B0604020202020204" pitchFamily="34" charset="0"/>
               <a:buChar char="•"/>
             </a:pPr>
             <a:r>
               <a:rPr lang="en-IN" dirty="0"/>
-              <a:t>O: Outside a chunk</a:t>
-            </a:r>
-          </a:p>
-          <a:p>
-            <a:pPr marL="914400" lvl="2" indent="0">
-              <a:buNone/>
-            </a:pPr>
-            <a:endParaRPr lang="en-IN" dirty="0"/>
-          </a:p>
-          <a:p>
-            <a:pPr marL="1143000" lvl="2" indent="-228600">
+              <a:t>Pre-process data for NER tagging</a:t>
+            </a:r>
+          </a:p>
+          <a:p>
+            <a:pPr marL="742950" lvl="1" indent="-285750">
               <a:buFont typeface="Arial" panose="020B0604020202020204" pitchFamily="34" charset="0"/>
               <a:buChar char="•"/>
             </a:pPr>
             <a:r>
               <a:rPr lang="en-IN" dirty="0"/>
-              <a:t>B: Beginning of a chunk</a:t>
+              <a:t>Develop a baseline model</a:t>
+            </a:r>
+          </a:p>
+          <a:p>
+            <a:pPr marL="742950" lvl="1" indent="-285750">
+              <a:buFont typeface="Arial" panose="020B0604020202020204" pitchFamily="34" charset="0"/>
+              <a:buChar char="•"/>
+            </a:pPr>
+            <a:r>
+              <a:rPr lang="en-IN" dirty="0"/>
+              <a:t>Identify shortcomings of baseline model</a:t>
+            </a:r>
+          </a:p>
+          <a:p>
+            <a:pPr marL="742950" lvl="1" indent="-285750">
+              <a:buFont typeface="Arial" panose="020B0604020202020204" pitchFamily="34" charset="0"/>
+              <a:buChar char="•"/>
+            </a:pPr>
+            <a:r>
+              <a:rPr lang="en-IN" dirty="0"/>
+              <a:t>Develop an improved model</a:t>
+            </a:r>
+          </a:p>
+          <a:p>
+            <a:pPr marL="742950" lvl="1" indent="-285750">
+              <a:buFont typeface="Arial" panose="020B0604020202020204" pitchFamily="34" charset="0"/>
+              <a:buChar char="•"/>
+            </a:pPr>
+            <a:r>
+              <a:rPr lang="en-IN" dirty="0"/>
+              <a:t>Future optimization scope</a:t>
             </a:r>
           </a:p>
         </p:txBody>
@@ -4464,7 +5003,7 @@
     </p:spTree>
     <p:extLst>
       <p:ext uri="{BB962C8B-B14F-4D97-AF65-F5344CB8AC3E}">
-        <p14:creationId xmlns:p14="http://schemas.microsoft.com/office/powerpoint/2010/main" val="205467489"/>
+        <p14:creationId xmlns:p14="http://schemas.microsoft.com/office/powerpoint/2010/main" val="2032985303"/>
       </p:ext>
     </p:extLst>
   </p:cSld>
@@ -4503,12 +5042,14 @@
         </p:nvSpPr>
         <p:spPr/>
         <p:txBody>
-          <a:bodyPr/>
+          <a:bodyPr>
+            <a:normAutofit fontScale="90000"/>
+          </a:bodyPr>
           <a:lstStyle/>
           <a:p>
             <a:r>
               <a:rPr lang="en-US" b="1" dirty="0"/>
-              <a:t>Tasks</a:t>
+              <a:t>Approach 1 – Classical ML Algorithms</a:t>
             </a:r>
             <a:endParaRPr b="1" dirty="0"/>
           </a:p>
@@ -4537,7 +5078,7 @@
             </a:pPr>
             <a:r>
               <a:rPr lang="en-IN" dirty="0"/>
-              <a:t>Divide dataset into train, validation, and test sets</a:t>
+              <a:t>Multivariate Classification Problem</a:t>
             </a:r>
           </a:p>
           <a:p>
@@ -4547,7 +5088,7 @@
             </a:pPr>
             <a:r>
               <a:rPr lang="en-IN" dirty="0"/>
-              <a:t>Identify matrices for model evaluation</a:t>
+              <a:t>Considers only two columns : Word and Tag</a:t>
             </a:r>
           </a:p>
           <a:p>
@@ -4557,7 +5098,7 @@
             </a:pPr>
             <a:r>
               <a:rPr lang="en-IN" dirty="0"/>
-              <a:t>Pre-process data for NER tagging</a:t>
+              <a:t>Can use below algorithms :</a:t>
             </a:r>
           </a:p>
           <a:p>
@@ -4567,7 +5108,7 @@
             </a:pPr>
             <a:r>
               <a:rPr lang="en-IN" dirty="0"/>
-              <a:t>Develop a baseline model</a:t>
+              <a:t>(a) Logistic Regression</a:t>
             </a:r>
           </a:p>
           <a:p>
@@ -4577,7 +5118,7 @@
             </a:pPr>
             <a:r>
               <a:rPr lang="en-IN" dirty="0"/>
-              <a:t>Identify shortcomings of baseline model</a:t>
+              <a:t>(b) Decision Trees</a:t>
             </a:r>
           </a:p>
           <a:p>
@@ -4587,7 +5128,7 @@
             </a:pPr>
             <a:r>
               <a:rPr lang="en-IN" dirty="0"/>
-              <a:t>Develop an improved model</a:t>
+              <a:t>(c) Random Forest</a:t>
             </a:r>
           </a:p>
           <a:p>
@@ -4597,7 +5138,7 @@
             </a:pPr>
             <a:r>
               <a:rPr lang="en-IN" dirty="0"/>
-              <a:t>Future optimization scope</a:t>
+              <a:t>Evaluating the model</a:t>
             </a:r>
           </a:p>
         </p:txBody>
@@ -4605,7 +5146,7 @@
     </p:spTree>
     <p:extLst>
       <p:ext uri="{BB962C8B-B14F-4D97-AF65-F5344CB8AC3E}">
-        <p14:creationId xmlns:p14="http://schemas.microsoft.com/office/powerpoint/2010/main" val="2032985303"/>
+        <p14:creationId xmlns:p14="http://schemas.microsoft.com/office/powerpoint/2010/main" val="1709608951"/>
       </p:ext>
     </p:extLst>
   </p:cSld>
@@ -4644,13 +5185,16 @@
         </p:nvSpPr>
         <p:spPr/>
         <p:txBody>
-          <a:bodyPr/>
-          <a:lstStyle/>
-          <a:p>
-            <a:r>
-              <a:rPr lang="en-IN" b="1" dirty="0"/>
-              <a:t>Data Preprocessing</a:t>
-            </a:r>
+          <a:bodyPr>
+            <a:normAutofit fontScale="90000"/>
+          </a:bodyPr>
+          <a:lstStyle/>
+          <a:p>
+            <a:r>
+              <a:rPr lang="en-US" b="1" dirty="0"/>
+              <a:t>Approach 2 – Deep Learning Algorithm</a:t>
+            </a:r>
+            <a:endParaRPr b="1" dirty="0"/>
           </a:p>
         </p:txBody>
       </p:sp>
@@ -4666,7 +5210,9 @@
         </p:nvSpPr>
         <p:spPr/>
         <p:txBody>
-          <a:bodyPr/>
+          <a:bodyPr>
+            <a:normAutofit fontScale="77500" lnSpcReduction="20000"/>
+          </a:bodyPr>
           <a:lstStyle/>
           <a:p>
             <a:pPr marL="742950" lvl="1" indent="-285750">
@@ -4675,55 +5221,144 @@
             </a:pPr>
             <a:r>
               <a:rPr lang="en-IN" dirty="0"/>
-              <a:t>Splitting dataset into train, validation, and test sets</a:t>
-            </a:r>
-          </a:p>
-          <a:p>
-            <a:pPr marL="457200" lvl="1" indent="0">
-              <a:buNone/>
+              <a:t>Algorithm used : Bidirectional Long Short-Term Memory (</a:t>
+            </a:r>
+            <a:r>
+              <a:rPr lang="en-IN" dirty="0" err="1"/>
+              <a:t>BiLSTM</a:t>
+            </a:r>
+            <a:r>
+              <a:rPr lang="en-IN" dirty="0"/>
+              <a:t>) network for NER.</a:t>
+            </a:r>
+          </a:p>
+          <a:p>
+            <a:pPr lvl="1">
+              <a:buFont typeface="Arial" panose="020B0604020202020204" pitchFamily="34" charset="0"/>
+              <a:buChar char="•"/>
+            </a:pPr>
+            <a:r>
+              <a:rPr lang="en-IN" dirty="0"/>
+              <a:t>(a) Long Short-Term Memory (LSTM)</a:t>
+            </a:r>
+          </a:p>
+          <a:p>
+            <a:pPr lvl="1">
+              <a:buFont typeface="Arial" panose="020B0604020202020204" pitchFamily="34" charset="0"/>
+              <a:buChar char="•"/>
+            </a:pPr>
+            <a:r>
+              <a:rPr lang="en-IN" dirty="0"/>
+              <a:t>(b) Bidirectional LSTM (</a:t>
+            </a:r>
+            <a:r>
+              <a:rPr lang="en-IN" dirty="0" err="1"/>
+              <a:t>BiLSTM</a:t>
+            </a:r>
+            <a:r>
+              <a:rPr lang="en-IN" dirty="0"/>
+              <a:t>)</a:t>
+            </a:r>
+          </a:p>
+          <a:p>
+            <a:pPr marL="742950" lvl="1" indent="-285750">
+              <a:buFont typeface="Arial" panose="020B0604020202020204" pitchFamily="34" charset="0"/>
+              <a:buChar char="•"/>
+            </a:pPr>
+            <a:r>
+              <a:rPr lang="en-IN" dirty="0"/>
+              <a:t>Layers :</a:t>
+            </a:r>
+          </a:p>
+          <a:p>
+            <a:pPr lvl="1">
+              <a:buFont typeface="Arial" panose="020B0604020202020204" pitchFamily="34" charset="0"/>
+              <a:buChar char="•"/>
+            </a:pPr>
+            <a:r>
+              <a:rPr lang="en-IN" sz="2900" dirty="0"/>
+              <a:t>(1) Embedding Layer:</a:t>
+            </a:r>
+          </a:p>
+          <a:p>
+            <a:pPr lvl="1">
+              <a:buFont typeface="Arial" panose="020B0604020202020204" pitchFamily="34" charset="0"/>
+              <a:buChar char="•"/>
+            </a:pPr>
+            <a:r>
+              <a:rPr lang="en-IN" sz="2900" dirty="0"/>
+              <a:t>Converts each word into a dense vector of fixed size. These vectors capture semantic information about the words.</a:t>
+            </a:r>
+          </a:p>
+          <a:p>
+            <a:pPr lvl="1">
+              <a:buFont typeface="Arial" panose="020B0604020202020204" pitchFamily="34" charset="0"/>
+              <a:buChar char="•"/>
+            </a:pPr>
+            <a:r>
+              <a:rPr lang="en-IN" sz="2900" dirty="0"/>
+              <a:t>(2) </a:t>
+            </a:r>
+            <a:r>
+              <a:rPr lang="en-IN" sz="2900" dirty="0" err="1"/>
+              <a:t>BiLSTM</a:t>
+            </a:r>
+            <a:r>
+              <a:rPr lang="en-IN" sz="2900" dirty="0"/>
+              <a:t> Layer:</a:t>
+            </a:r>
+          </a:p>
+          <a:p>
+            <a:pPr lvl="1">
+              <a:buFont typeface="Arial" panose="020B0604020202020204" pitchFamily="34" charset="0"/>
+              <a:buChar char="•"/>
+            </a:pPr>
+            <a:r>
+              <a:rPr lang="en-IN" sz="2900" dirty="0"/>
+              <a:t>Processes the input sequences in both forward and backward directions.</a:t>
+            </a:r>
+          </a:p>
+          <a:p>
+            <a:pPr lvl="1">
+              <a:buFont typeface="Arial" panose="020B0604020202020204" pitchFamily="34" charset="0"/>
+              <a:buChar char="•"/>
+            </a:pPr>
+            <a:r>
+              <a:rPr lang="en-IN" sz="2900" dirty="0"/>
+              <a:t>(3) </a:t>
+            </a:r>
+            <a:r>
+              <a:rPr lang="en-IN" sz="2900" dirty="0" err="1"/>
+              <a:t>TimeDistributed</a:t>
+            </a:r>
+            <a:r>
+              <a:rPr lang="en-IN" sz="2900" dirty="0"/>
+              <a:t> Layer:</a:t>
+            </a:r>
+          </a:p>
+          <a:p>
+            <a:pPr lvl="1">
+              <a:buFont typeface="Arial" panose="020B0604020202020204" pitchFamily="34" charset="0"/>
+              <a:buChar char="•"/>
+            </a:pPr>
+            <a:r>
+              <a:rPr lang="en-IN" sz="2900" dirty="0"/>
+              <a:t>Applies a dense layer to each time step (word) independently, predicting the tag for each word.</a:t>
+            </a:r>
+          </a:p>
+          <a:p>
+            <a:pPr marL="742950" lvl="1" indent="-285750">
+              <a:buFont typeface="Arial" panose="020B0604020202020204" pitchFamily="34" charset="0"/>
+              <a:buChar char="•"/>
             </a:pPr>
             <a:endParaRPr lang="en-IN" dirty="0"/>
-          </a:p>
-          <a:p>
-            <a:pPr marL="742950" lvl="1" indent="-285750">
-              <a:buFont typeface="Arial" panose="020B0604020202020204" pitchFamily="34" charset="0"/>
-              <a:buChar char="•"/>
-            </a:pPr>
-            <a:r>
-              <a:rPr lang="en-IN" dirty="0"/>
-              <a:t>Tokenization and mapping words to NER tags</a:t>
-            </a:r>
-          </a:p>
-          <a:p>
-            <a:pPr marL="457200" lvl="1" indent="0">
-              <a:buNone/>
-            </a:pPr>
-            <a:endParaRPr lang="en-IN" dirty="0"/>
-          </a:p>
-          <a:p>
-            <a:pPr marL="742950" lvl="1" indent="-285750">
-              <a:buFont typeface="Arial" panose="020B0604020202020204" pitchFamily="34" charset="0"/>
-              <a:buChar char="•"/>
-            </a:pPr>
-            <a:r>
-              <a:rPr lang="en-IN" dirty="0"/>
-              <a:t>Padding sequences to uniform length (</a:t>
-            </a:r>
-            <a:r>
-              <a:rPr lang="en-IN" dirty="0" err="1"/>
-              <a:t>max_len</a:t>
-            </a:r>
-            <a:r>
-              <a:rPr lang="en-IN" dirty="0"/>
-              <a:t> = 50)</a:t>
-            </a:r>
           </a:p>
         </p:txBody>
       </p:sp>
     </p:spTree>
     <p:extLst>
       <p:ext uri="{BB962C8B-B14F-4D97-AF65-F5344CB8AC3E}">
-        <p14:creationId xmlns:p14="http://schemas.microsoft.com/office/powerpoint/2010/main" val="3406953252"/>
+        <p14:creationId xmlns:p14="http://schemas.microsoft.com/office/powerpoint/2010/main" val="1661579431"/>
       </p:ext>
     </p:extLst>
   </p:cSld>
@@ -4762,13 +5397,16 @@
         </p:nvSpPr>
         <p:spPr/>
         <p:txBody>
-          <a:bodyPr/>
-          <a:lstStyle/>
-          <a:p>
-            <a:r>
-              <a:rPr lang="en-IN" b="1" dirty="0"/>
-              <a:t>Baseline Model</a:t>
-            </a:r>
+          <a:bodyPr>
+            <a:normAutofit fontScale="90000"/>
+          </a:bodyPr>
+          <a:lstStyle/>
+          <a:p>
+            <a:r>
+              <a:rPr lang="en-US" b="1" dirty="0"/>
+              <a:t>Approach 2 – Deep Learning Algorithm</a:t>
+            </a:r>
+            <a:endParaRPr b="1" dirty="0"/>
           </a:p>
         </p:txBody>
       </p:sp>
@@ -4784,46 +5422,96 @@
         </p:nvSpPr>
         <p:spPr/>
         <p:txBody>
-          <a:bodyPr/>
-          <a:lstStyle/>
-          <a:p>
-            <a:pPr marL="742950" lvl="1" indent="-285750">
-              <a:buFont typeface="Arial" panose="020B0604020202020204" pitchFamily="34" charset="0"/>
-              <a:buChar char="•"/>
-            </a:pPr>
-            <a:r>
-              <a:rPr lang="en-IN" dirty="0"/>
-              <a:t>Description of the baseline model architecture (e.g., Bi-LSTM)</a:t>
-            </a:r>
-          </a:p>
-          <a:p>
-            <a:pPr marL="742950" lvl="1" indent="-285750">
-              <a:buFont typeface="Arial" panose="020B0604020202020204" pitchFamily="34" charset="0"/>
-              <a:buChar char="•"/>
-            </a:pPr>
-            <a:r>
-              <a:rPr lang="en-IN" dirty="0"/>
-              <a:t>Training process and parameters</a:t>
-            </a:r>
-          </a:p>
-          <a:p>
-            <a:pPr marL="742950" lvl="1" indent="-285750">
-              <a:buFont typeface="Arial" panose="020B0604020202020204" pitchFamily="34" charset="0"/>
-              <a:buChar char="•"/>
-            </a:pPr>
-            <a:r>
-              <a:rPr lang="en-IN" dirty="0"/>
-              <a:t>Evaluation metrics used (accuracy, loss)</a:t>
-            </a:r>
-          </a:p>
-          <a:p>
-            <a:pPr marL="742950" lvl="1" indent="-285750">
-              <a:buFont typeface="Arial" panose="020B0604020202020204" pitchFamily="34" charset="0"/>
-              <a:buChar char="•"/>
-            </a:pPr>
-            <a:r>
-              <a:rPr lang="en-IN" dirty="0"/>
-              <a:t>Results of baseline model</a:t>
+          <a:bodyPr>
+            <a:normAutofit/>
+          </a:bodyPr>
+          <a:lstStyle/>
+          <a:p>
+            <a:pPr lvl="1">
+              <a:lnSpc>
+                <a:spcPct val="80000"/>
+              </a:lnSpc>
+              <a:buFont typeface="Arial" panose="020B0604020202020204" pitchFamily="34" charset="0"/>
+              <a:buChar char="•"/>
+            </a:pPr>
+            <a:r>
+              <a:rPr lang="en-IN" sz="2200" dirty="0"/>
+              <a:t>Model Training</a:t>
+            </a:r>
+          </a:p>
+          <a:p>
+            <a:pPr marL="457200" lvl="1" indent="0">
+              <a:lnSpc>
+                <a:spcPct val="80000"/>
+              </a:lnSpc>
+              <a:buNone/>
+            </a:pPr>
+            <a:endParaRPr lang="en-IN" sz="2200" dirty="0"/>
+          </a:p>
+          <a:p>
+            <a:pPr lvl="1">
+              <a:lnSpc>
+                <a:spcPct val="80000"/>
+              </a:lnSpc>
+              <a:buFont typeface="Arial" panose="020B0604020202020204" pitchFamily="34" charset="0"/>
+              <a:buChar char="•"/>
+            </a:pPr>
+            <a:r>
+              <a:rPr lang="en-IN" sz="2200" dirty="0"/>
+              <a:t>Setting up the model with an optimizer (e.g., Adam), loss function (e.g., categorical </a:t>
+            </a:r>
+            <a:r>
+              <a:rPr lang="en-IN" sz="2200" dirty="0" err="1"/>
+              <a:t>crossentropy</a:t>
+            </a:r>
+            <a:r>
+              <a:rPr lang="en-IN" sz="2200" dirty="0"/>
+              <a:t>), and evaluation metric (e.g., accuracy).</a:t>
+            </a:r>
+          </a:p>
+          <a:p>
+            <a:pPr marL="457200" lvl="1" indent="0">
+              <a:lnSpc>
+                <a:spcPct val="80000"/>
+              </a:lnSpc>
+              <a:buNone/>
+            </a:pPr>
+            <a:endParaRPr lang="en-IN" sz="2200" dirty="0"/>
+          </a:p>
+          <a:p>
+            <a:pPr lvl="1">
+              <a:lnSpc>
+                <a:spcPct val="80000"/>
+              </a:lnSpc>
+              <a:buFont typeface="Arial" panose="020B0604020202020204" pitchFamily="34" charset="0"/>
+              <a:buChar char="•"/>
+            </a:pPr>
+            <a:r>
+              <a:rPr lang="en-IN" sz="2200" dirty="0"/>
+              <a:t>(B) Training: Fitting the model to the training data, adjusting weights to minimize the loss.</a:t>
+            </a:r>
+          </a:p>
+          <a:p>
+            <a:pPr lvl="1">
+              <a:lnSpc>
+                <a:spcPct val="80000"/>
+              </a:lnSpc>
+              <a:buFont typeface="Arial" panose="020B0604020202020204" pitchFamily="34" charset="0"/>
+              <a:buChar char="•"/>
+            </a:pPr>
+            <a:endParaRPr lang="en-IN" sz="2200" dirty="0"/>
+          </a:p>
+          <a:p>
+            <a:pPr lvl="1">
+              <a:lnSpc>
+                <a:spcPct val="80000"/>
+              </a:lnSpc>
+              <a:buFont typeface="Arial" panose="020B0604020202020204" pitchFamily="34" charset="0"/>
+              <a:buChar char="•"/>
+            </a:pPr>
+            <a:r>
+              <a:rPr lang="en-IN" sz="2200" dirty="0"/>
+              <a:t>Fine-tuning the parameters and changing it until we come up with right and more optimised parameters</a:t>
             </a:r>
           </a:p>
         </p:txBody>
@@ -4831,7 +5519,7 @@
     </p:spTree>
     <p:extLst>
       <p:ext uri="{BB962C8B-B14F-4D97-AF65-F5344CB8AC3E}">
-        <p14:creationId xmlns:p14="http://schemas.microsoft.com/office/powerpoint/2010/main" val="3004889156"/>
+        <p14:creationId xmlns:p14="http://schemas.microsoft.com/office/powerpoint/2010/main" val="574521846"/>
       </p:ext>
     </p:extLst>
   </p:cSld>
@@ -4870,12 +5558,14 @@
         </p:nvSpPr>
         <p:spPr/>
         <p:txBody>
-          <a:bodyPr/>
+          <a:bodyPr>
+            <a:normAutofit fontScale="90000"/>
+          </a:bodyPr>
           <a:lstStyle/>
           <a:p>
             <a:r>
               <a:rPr lang="en-US" b="1" dirty="0"/>
-              <a:t>Baseline Model Shortcomings</a:t>
+              <a:t>Approach 3 – Using Pre-trained Embeddings</a:t>
             </a:r>
             <a:endParaRPr b="1" dirty="0"/>
           </a:p>
@@ -4891,64 +5581,82 @@
             <p:ph idx="1"/>
           </p:nvPr>
         </p:nvSpPr>
-        <p:spPr>
-          <a:xfrm>
-            <a:off x="599704" y="846138"/>
-            <a:ext cx="8229600" cy="4525963"/>
-          </a:xfrm>
-        </p:spPr>
-        <p:txBody>
-          <a:bodyPr/>
-          <a:lstStyle/>
+        <p:spPr/>
+        <p:txBody>
+          <a:bodyPr>
+            <a:normAutofit/>
+          </a:bodyPr>
+          <a:lstStyle/>
+          <a:p>
+            <a:pPr marL="742950" lvl="1" indent="-285750">
+              <a:buFont typeface="Arial" panose="020B0604020202020204" pitchFamily="34" charset="0"/>
+              <a:buChar char="•"/>
+            </a:pPr>
+            <a:r>
+              <a:rPr lang="en-IN" dirty="0"/>
+              <a:t>Using Pre-trained embeddings:</a:t>
+            </a:r>
+          </a:p>
+          <a:p>
+            <a:pPr marL="742950" lvl="1" indent="-285750">
+              <a:buFont typeface="Arial" panose="020B0604020202020204" pitchFamily="34" charset="0"/>
+              <a:buChar char="•"/>
+            </a:pPr>
+            <a:endParaRPr lang="en-IN" dirty="0"/>
+          </a:p>
+          <a:p>
+            <a:pPr marL="742950" lvl="1" indent="-285750">
+              <a:buFont typeface="Arial" panose="020B0604020202020204" pitchFamily="34" charset="0"/>
+              <a:buChar char="•"/>
+            </a:pPr>
+            <a:r>
+              <a:rPr lang="en-IN" dirty="0" err="1"/>
+              <a:t>GloVe</a:t>
+            </a:r>
+            <a:r>
+              <a:rPr lang="en-IN" dirty="0"/>
+              <a:t> (Global Vectors for Word Representation)</a:t>
+            </a:r>
+          </a:p>
+          <a:p>
+            <a:pPr marL="742950" lvl="1" indent="-285750">
+              <a:buFont typeface="Arial" panose="020B0604020202020204" pitchFamily="34" charset="0"/>
+              <a:buChar char="•"/>
+            </a:pPr>
+            <a:r>
+              <a:rPr lang="en-IN" dirty="0"/>
+              <a:t>Developed by Researchers at Stanford.</a:t>
+            </a:r>
+          </a:p>
+          <a:p>
+            <a:pPr marL="742950" lvl="1" indent="-285750">
+              <a:buFont typeface="Arial" panose="020B0604020202020204" pitchFamily="34" charset="0"/>
+              <a:buChar char="•"/>
+            </a:pPr>
+            <a:endParaRPr lang="en-IN" dirty="0"/>
+          </a:p>
+          <a:p>
+            <a:pPr marL="742950" lvl="1" indent="-285750">
+              <a:buFont typeface="Arial" panose="020B0604020202020204" pitchFamily="34" charset="0"/>
+              <a:buChar char="•"/>
+            </a:pPr>
+            <a:r>
+              <a:rPr lang="en-IN" dirty="0"/>
+              <a:t>Same iterative process as earlier.</a:t>
+            </a:r>
+          </a:p>
           <a:p>
             <a:pPr marL="457200" lvl="1" indent="0">
               <a:buNone/>
             </a:pPr>
             <a:endParaRPr lang="en-IN" dirty="0"/>
-          </a:p>
-          <a:p>
-            <a:pPr marL="742950" lvl="1" indent="-285750">
-              <a:buFont typeface="Arial" panose="020B0604020202020204" pitchFamily="34" charset="0"/>
-              <a:buChar char="•"/>
-            </a:pPr>
-            <a:endParaRPr lang="en-IN" dirty="0"/>
-          </a:p>
-          <a:p>
-            <a:pPr marL="742950" lvl="1" indent="-285750">
-              <a:buFont typeface="Arial" panose="020B0604020202020204" pitchFamily="34" charset="0"/>
-              <a:buChar char="•"/>
-            </a:pPr>
-            <a:r>
-              <a:rPr lang="en-IN" dirty="0"/>
-              <a:t>Identified issues with baseline model</a:t>
-            </a:r>
-          </a:p>
-          <a:p>
-            <a:pPr marL="742950" lvl="1" indent="-285750">
-              <a:buFont typeface="Arial" panose="020B0604020202020204" pitchFamily="34" charset="0"/>
-              <a:buChar char="•"/>
-            </a:pPr>
-            <a:r>
-              <a:rPr lang="en-IN" dirty="0"/>
-              <a:t>Examples of incorrect predictions</a:t>
-            </a:r>
-          </a:p>
-          <a:p>
-            <a:pPr marL="742950" lvl="1" indent="-285750">
-              <a:buFont typeface="Arial" panose="020B0604020202020204" pitchFamily="34" charset="0"/>
-              <a:buChar char="•"/>
-            </a:pPr>
-            <a:r>
-              <a:rPr lang="en-IN" dirty="0"/>
-              <a:t>Analysis of error patterns</a:t>
-            </a:r>
           </a:p>
         </p:txBody>
       </p:sp>
     </p:spTree>
     <p:extLst>
       <p:ext uri="{BB962C8B-B14F-4D97-AF65-F5344CB8AC3E}">
-        <p14:creationId xmlns:p14="http://schemas.microsoft.com/office/powerpoint/2010/main" val="1910585006"/>
+        <p14:creationId xmlns:p14="http://schemas.microsoft.com/office/powerpoint/2010/main" val="856453563"/>
       </p:ext>
     </p:extLst>
   </p:cSld>
